--- a/Final Presentation/3_ArchitectureDiagram_Bhakti.pptx
+++ b/Final Presentation/3_ArchitectureDiagram_Bhakti.pptx
@@ -754,7 +754,7 @@
               </a:spcAft>
               <a:buNone/>
             </a:pPr>
-            <a:endParaRPr/>
+            <a:endParaRPr dirty="0"/>
           </a:p>
         </p:txBody>
       </p:sp>
@@ -16585,7 +16585,7 @@
                   <a:schemeClr val="bg1"/>
                 </a:solidFill>
               </a:rPr>
-              <a:t>Provide services</a:t>
+              <a:t>Account Management</a:t>
             </a:r>
             <a:endParaRPr dirty="0">
               <a:solidFill>
@@ -17065,16 +17065,17 @@
             <a:r>
               <a:rPr lang="en-GB" dirty="0">
                 <a:solidFill>
-                  <a:schemeClr val="lt1"/>
+                  <a:schemeClr val="bg1"/>
                 </a:solidFill>
-                <a:latin typeface="Calibri"/>
-                <a:ea typeface="Calibri"/>
-                <a:cs typeface="Calibri"/>
                 <a:sym typeface="Calibri"/>
               </a:rPr>
-              <a:t>Locate Service Provider</a:t>
+              <a:t>Provide services</a:t>
             </a:r>
-            <a:endParaRPr sz="1100" dirty="0"/>
+            <a:endParaRPr dirty="0">
+              <a:solidFill>
+                <a:schemeClr val="bg1"/>
+              </a:solidFill>
+            </a:endParaRPr>
           </a:p>
         </p:txBody>
       </p:sp>
@@ -17422,19 +17423,46 @@
               </a:spcAft>
               <a:buNone/>
             </a:pPr>
+            <a:endParaRPr lang="en-IN" dirty="0">
+              <a:solidFill>
+                <a:schemeClr val="lt1"/>
+              </a:solidFill>
+              <a:latin typeface="Calibri"/>
+              <a:cs typeface="Calibri"/>
+            </a:endParaRPr>
+          </a:p>
+          <a:p>
+            <a:pPr marL="0" marR="0" lvl="0" indent="0" algn="ctr" rtl="0">
+              <a:spcBef>
+                <a:spcPts val="0"/>
+              </a:spcBef>
+              <a:spcAft>
+                <a:spcPts val="0"/>
+              </a:spcAft>
+              <a:buNone/>
+            </a:pPr>
             <a:r>
-              <a:rPr lang="en-GB">
+              <a:rPr lang="en-IN" dirty="0">
                 <a:solidFill>
                   <a:schemeClr val="lt1"/>
                 </a:solidFill>
                 <a:latin typeface="Calibri"/>
-                <a:ea typeface="Calibri"/>
                 <a:cs typeface="Calibri"/>
-                <a:sym typeface="Calibri"/>
               </a:rPr>
-              <a:t>Contact User</a:t>
+              <a:t>Locate Service Provider</a:t>
             </a:r>
-            <a:endParaRPr sz="1100" dirty="0"/>
+          </a:p>
+          <a:p>
+            <a:pPr marL="0" marR="0" lvl="0" indent="0" algn="ctr" rtl="0">
+              <a:spcBef>
+                <a:spcPts val="0"/>
+              </a:spcBef>
+              <a:spcAft>
+                <a:spcPts val="0"/>
+              </a:spcAft>
+              <a:buNone/>
+            </a:pPr>
+            <a:endParaRPr lang="en-IN" sz="1100" dirty="0"/>
           </a:p>
         </p:txBody>
       </p:sp>
@@ -18278,8 +18306,8 @@
         </p:nvSpPr>
         <p:spPr>
           <a:xfrm>
-            <a:off x="7055550" y="3150250"/>
-            <a:ext cx="1809600" cy="422700"/>
+            <a:off x="7053020" y="3111442"/>
+            <a:ext cx="1809600" cy="461508"/>
           </a:xfrm>
           <a:prstGeom prst="roundRect">
             <a:avLst>
@@ -18315,7 +18343,7 @@
               <a:buNone/>
             </a:pPr>
             <a:r>
-              <a:rPr lang="en-GB" dirty="0">
+              <a:rPr lang="en-GB" sz="1200" dirty="0">
                 <a:solidFill>
                   <a:schemeClr val="lt1"/>
                 </a:solidFill>
@@ -18327,7 +18355,7 @@
               <a:t>User Interface (React, </a:t>
             </a:r>
             <a:r>
-              <a:rPr lang="en-GB" dirty="0" err="1">
+              <a:rPr lang="en-GB" sz="1200" dirty="0" err="1">
                 <a:solidFill>
                   <a:schemeClr val="lt1"/>
                 </a:solidFill>
@@ -18336,10 +18364,10 @@
                 <a:cs typeface="Calibri"/>
                 <a:sym typeface="Calibri"/>
               </a:rPr>
-              <a:t>ExpressJS,NodeJS</a:t>
+              <a:t>ExpressJS,NextJS,NodeJS</a:t>
             </a:r>
             <a:r>
-              <a:rPr lang="en-GB" dirty="0">
+              <a:rPr lang="en-GB" sz="1200" dirty="0">
                 <a:solidFill>
                   <a:schemeClr val="lt1"/>
                 </a:solidFill>
@@ -18350,7 +18378,7 @@
               </a:rPr>
               <a:t>)</a:t>
             </a:r>
-            <a:endParaRPr sz="1100" dirty="0"/>
+            <a:endParaRPr sz="1200" dirty="0"/>
           </a:p>
         </p:txBody>
       </p:sp>
